--- a/Presentation1.pptx
+++ b/Presentation1.pptx
@@ -245,7 +245,7 @@
           <a:p>
             <a:fld id="{7D9534A8-05B3-4148-A0DD-DA1899630814}" type="datetimeFigureOut">
               <a:rPr lang="en-SG" smtClean="0"/>
-              <a:t>14/7/2015</a:t>
+              <a:t>15/7/2015</a:t>
             </a:fld>
             <a:endParaRPr lang="en-SG"/>
           </a:p>
@@ -415,7 +415,7 @@
           <a:p>
             <a:fld id="{7D9534A8-05B3-4148-A0DD-DA1899630814}" type="datetimeFigureOut">
               <a:rPr lang="en-SG" smtClean="0"/>
-              <a:t>14/7/2015</a:t>
+              <a:t>15/7/2015</a:t>
             </a:fld>
             <a:endParaRPr lang="en-SG"/>
           </a:p>
@@ -595,7 +595,7 @@
           <a:p>
             <a:fld id="{7D9534A8-05B3-4148-A0DD-DA1899630814}" type="datetimeFigureOut">
               <a:rPr lang="en-SG" smtClean="0"/>
-              <a:t>14/7/2015</a:t>
+              <a:t>15/7/2015</a:t>
             </a:fld>
             <a:endParaRPr lang="en-SG"/>
           </a:p>
@@ -765,7 +765,7 @@
           <a:p>
             <a:fld id="{7D9534A8-05B3-4148-A0DD-DA1899630814}" type="datetimeFigureOut">
               <a:rPr lang="en-SG" smtClean="0"/>
-              <a:t>14/7/2015</a:t>
+              <a:t>15/7/2015</a:t>
             </a:fld>
             <a:endParaRPr lang="en-SG"/>
           </a:p>
@@ -1011,7 +1011,7 @@
           <a:p>
             <a:fld id="{7D9534A8-05B3-4148-A0DD-DA1899630814}" type="datetimeFigureOut">
               <a:rPr lang="en-SG" smtClean="0"/>
-              <a:t>14/7/2015</a:t>
+              <a:t>15/7/2015</a:t>
             </a:fld>
             <a:endParaRPr lang="en-SG"/>
           </a:p>
@@ -1243,7 +1243,7 @@
           <a:p>
             <a:fld id="{7D9534A8-05B3-4148-A0DD-DA1899630814}" type="datetimeFigureOut">
               <a:rPr lang="en-SG" smtClean="0"/>
-              <a:t>14/7/2015</a:t>
+              <a:t>15/7/2015</a:t>
             </a:fld>
             <a:endParaRPr lang="en-SG"/>
           </a:p>
@@ -1610,7 +1610,7 @@
           <a:p>
             <a:fld id="{7D9534A8-05B3-4148-A0DD-DA1899630814}" type="datetimeFigureOut">
               <a:rPr lang="en-SG" smtClean="0"/>
-              <a:t>14/7/2015</a:t>
+              <a:t>15/7/2015</a:t>
             </a:fld>
             <a:endParaRPr lang="en-SG"/>
           </a:p>
@@ -1728,7 +1728,7 @@
           <a:p>
             <a:fld id="{7D9534A8-05B3-4148-A0DD-DA1899630814}" type="datetimeFigureOut">
               <a:rPr lang="en-SG" smtClean="0"/>
-              <a:t>14/7/2015</a:t>
+              <a:t>15/7/2015</a:t>
             </a:fld>
             <a:endParaRPr lang="en-SG"/>
           </a:p>
@@ -1823,7 +1823,7 @@
           <a:p>
             <a:fld id="{7D9534A8-05B3-4148-A0DD-DA1899630814}" type="datetimeFigureOut">
               <a:rPr lang="en-SG" smtClean="0"/>
-              <a:t>14/7/2015</a:t>
+              <a:t>15/7/2015</a:t>
             </a:fld>
             <a:endParaRPr lang="en-SG"/>
           </a:p>
@@ -2100,7 +2100,7 @@
           <a:p>
             <a:fld id="{7D9534A8-05B3-4148-A0DD-DA1899630814}" type="datetimeFigureOut">
               <a:rPr lang="en-SG" smtClean="0"/>
-              <a:t>14/7/2015</a:t>
+              <a:t>15/7/2015</a:t>
             </a:fld>
             <a:endParaRPr lang="en-SG"/>
           </a:p>
@@ -2353,7 +2353,7 @@
           <a:p>
             <a:fld id="{7D9534A8-05B3-4148-A0DD-DA1899630814}" type="datetimeFigureOut">
               <a:rPr lang="en-SG" smtClean="0"/>
-              <a:t>14/7/2015</a:t>
+              <a:t>15/7/2015</a:t>
             </a:fld>
             <a:endParaRPr lang="en-SG"/>
           </a:p>
@@ -2566,7 +2566,7 @@
           <a:p>
             <a:fld id="{7D9534A8-05B3-4148-A0DD-DA1899630814}" type="datetimeFigureOut">
               <a:rPr lang="en-SG" smtClean="0"/>
-              <a:t>14/7/2015</a:t>
+              <a:t>15/7/2015</a:t>
             </a:fld>
             <a:endParaRPr lang="en-SG"/>
           </a:p>
@@ -3804,6 +3804,153 @@
             <a:r>
               <a:rPr lang="en-SG" dirty="0" smtClean="0"/>
               <a:t>P26</a:t>
+            </a:r>
+            <a:endParaRPr lang="en-SG" dirty="0"/>
+          </a:p>
+        </p:txBody>
+      </p:sp>
+      <p:sp>
+        <p:nvSpPr>
+          <p:cNvPr id="23" name="Oval 22"/>
+          <p:cNvSpPr/>
+          <p:nvPr/>
+        </p:nvSpPr>
+        <p:spPr>
+          <a:xfrm>
+            <a:off x="5242375" y="2918272"/>
+            <a:ext cx="781320" cy="449688"/>
+          </a:xfrm>
+          <a:prstGeom prst="ellipse">
+            <a:avLst/>
+          </a:prstGeom>
+          <a:solidFill>
+            <a:schemeClr val="accent1">
+              <a:alpha val="57000"/>
+            </a:schemeClr>
+          </a:solidFill>
+        </p:spPr>
+        <p:style>
+          <a:lnRef idx="2">
+            <a:schemeClr val="accent1">
+              <a:shade val="50000"/>
+            </a:schemeClr>
+          </a:lnRef>
+          <a:fillRef idx="1">
+            <a:schemeClr val="accent1"/>
+          </a:fillRef>
+          <a:effectRef idx="0">
+            <a:schemeClr val="accent1"/>
+          </a:effectRef>
+          <a:fontRef idx="minor">
+            <a:schemeClr val="lt1"/>
+          </a:fontRef>
+        </p:style>
+        <p:txBody>
+          <a:bodyPr rtlCol="0" anchor="ctr"/>
+          <a:lstStyle/>
+          <a:p>
+            <a:pPr algn="ctr"/>
+            <a:r>
+              <a:rPr lang="en-SG" dirty="0" smtClean="0"/>
+              <a:t>P28</a:t>
+            </a:r>
+            <a:endParaRPr lang="en-SG" dirty="0"/>
+          </a:p>
+        </p:txBody>
+      </p:sp>
+      <p:sp>
+        <p:nvSpPr>
+          <p:cNvPr id="24" name="Oval 23"/>
+          <p:cNvSpPr/>
+          <p:nvPr/>
+        </p:nvSpPr>
+        <p:spPr>
+          <a:xfrm>
+            <a:off x="6771681" y="4002231"/>
+            <a:ext cx="798495" cy="449688"/>
+          </a:xfrm>
+          <a:prstGeom prst="ellipse">
+            <a:avLst/>
+          </a:prstGeom>
+          <a:solidFill>
+            <a:schemeClr val="accent1">
+              <a:alpha val="57000"/>
+            </a:schemeClr>
+          </a:solidFill>
+        </p:spPr>
+        <p:style>
+          <a:lnRef idx="2">
+            <a:schemeClr val="accent1">
+              <a:shade val="50000"/>
+            </a:schemeClr>
+          </a:lnRef>
+          <a:fillRef idx="1">
+            <a:schemeClr val="accent1"/>
+          </a:fillRef>
+          <a:effectRef idx="0">
+            <a:schemeClr val="accent1"/>
+          </a:effectRef>
+          <a:fontRef idx="minor">
+            <a:schemeClr val="lt1"/>
+          </a:fontRef>
+        </p:style>
+        <p:txBody>
+          <a:bodyPr rtlCol="0" anchor="ctr"/>
+          <a:lstStyle/>
+          <a:p>
+            <a:pPr algn="ctr"/>
+            <a:r>
+              <a:rPr lang="en-SG" dirty="0" smtClean="0"/>
+              <a:t>P29</a:t>
+            </a:r>
+            <a:endParaRPr lang="en-SG" dirty="0"/>
+          </a:p>
+        </p:txBody>
+      </p:sp>
+      <p:sp>
+        <p:nvSpPr>
+          <p:cNvPr id="25" name="Oval 24"/>
+          <p:cNvSpPr/>
+          <p:nvPr/>
+        </p:nvSpPr>
+        <p:spPr>
+          <a:xfrm>
+            <a:off x="6838682" y="3389686"/>
+            <a:ext cx="488242" cy="567005"/>
+          </a:xfrm>
+          <a:prstGeom prst="ellipse">
+            <a:avLst/>
+          </a:prstGeom>
+          <a:solidFill>
+            <a:schemeClr val="accent1">
+              <a:alpha val="57000"/>
+            </a:schemeClr>
+          </a:solidFill>
+        </p:spPr>
+        <p:style>
+          <a:lnRef idx="2">
+            <a:schemeClr val="accent1">
+              <a:shade val="50000"/>
+            </a:schemeClr>
+          </a:lnRef>
+          <a:fillRef idx="1">
+            <a:schemeClr val="accent1"/>
+          </a:fillRef>
+          <a:effectRef idx="0">
+            <a:schemeClr val="accent1"/>
+          </a:effectRef>
+          <a:fontRef idx="minor">
+            <a:schemeClr val="lt1"/>
+          </a:fontRef>
+        </p:style>
+        <p:txBody>
+          <a:bodyPr rtlCol="0" anchor="ctr"/>
+          <a:lstStyle/>
+          <a:p>
+            <a:pPr algn="ctr"/>
+            <a:r>
+              <a:rPr lang="en-SG" dirty="0" smtClean="0"/>
+              <a:t>P30</a:t>
             </a:r>
             <a:endParaRPr lang="en-SG" dirty="0"/>
           </a:p>
@@ -3887,23 +4034,7 @@
           <a:p>
             <a:r>
               <a:rPr lang="en-SG" dirty="0" smtClean="0"/>
-              <a:t>PARK </a:t>
-            </a:r>
-            <a:r>
-              <a:rPr lang="en-SG" dirty="0" smtClean="0"/>
-              <a:t>2 </a:t>
-            </a:r>
-            <a:r>
-              <a:rPr lang="en-SG" dirty="0" smtClean="0"/>
-              <a:t>– </a:t>
-            </a:r>
-            <a:r>
-              <a:rPr lang="en-SG" dirty="0" smtClean="0"/>
-              <a:t>Further away from the </a:t>
-            </a:r>
-            <a:r>
-              <a:rPr lang="en-SG" dirty="0" smtClean="0"/>
-              <a:t>MRT</a:t>
+              <a:t>PARK 2 – Further away from the MRT</a:t>
             </a:r>
             <a:endParaRPr lang="en-SG" dirty="0"/>
           </a:p>
